--- a/Presentations/CSS Class 04.pptx
+++ b/Presentations/CSS Class 04.pptx
@@ -5,7 +5,7 @@
     <p:sldMasterId id="2147483775" r:id="rId4"/>
   </p:sldMasterIdLst>
   <p:notesMasterIdLst>
-    <p:notesMasterId r:id="rId14"/>
+    <p:notesMasterId r:id="rId12"/>
   </p:notesMasterIdLst>
   <p:sldIdLst>
     <p:sldId id="275" r:id="rId5"/>
@@ -15,8 +15,6 @@
     <p:sldId id="267" r:id="rId9"/>
     <p:sldId id="268" r:id="rId10"/>
     <p:sldId id="270" r:id="rId11"/>
-    <p:sldId id="273" r:id="rId12"/>
-    <p:sldId id="274" r:id="rId13"/>
   </p:sldIdLst>
   <p:sldSz cx="12192000" cy="6858000"/>
   <p:notesSz cx="6858000" cy="9144000"/>
@@ -205,7 +203,7 @@
           <a:p>
             <a:fld id="{EDE0A0D5-8F98-4CC1-A28E-021F0B6B475C}" type="datetimeFigureOut">
               <a:rPr lang="en-US" smtClean="0"/>
-              <a:t>12/13/2022</a:t>
+              <a:t>12/19/2022</a:t>
             </a:fld>
             <a:endParaRPr lang="en-US" dirty="0"/>
           </a:p>
@@ -660,7 +658,7 @@
           <a:p>
             <a:fld id="{3A750590-9F9A-443B-9295-A3931D8194B1}" type="datetime1">
               <a:rPr lang="en-US" smtClean="0"/>
-              <a:t>12/13/2022</a:t>
+              <a:t>12/19/2022</a:t>
             </a:fld>
             <a:endParaRPr lang="en-US" dirty="0"/>
           </a:p>
@@ -998,7 +996,7 @@
           <a:p>
             <a:fld id="{D9359126-4846-4E88-BDD9-5585CC877E47}" type="datetime1">
               <a:rPr lang="en-US" smtClean="0"/>
-              <a:t>12/13/2022</a:t>
+              <a:t>12/19/2022</a:t>
             </a:fld>
             <a:endParaRPr lang="en-US" dirty="0"/>
           </a:p>
@@ -1401,7 +1399,7 @@
           <a:p>
             <a:fld id="{D9359126-4846-4E88-BDD9-5585CC877E47}" type="datetime1">
               <a:rPr lang="en-US" smtClean="0"/>
-              <a:t>12/13/2022</a:t>
+              <a:t>12/19/2022</a:t>
             </a:fld>
             <a:endParaRPr lang="en-US" dirty="0"/>
           </a:p>
@@ -1739,7 +1737,7 @@
           <a:p>
             <a:fld id="{D9359126-4846-4E88-BDD9-5585CC877E47}" type="datetime1">
               <a:rPr lang="en-US" smtClean="0"/>
-              <a:t>12/13/2022</a:t>
+              <a:t>12/19/2022</a:t>
             </a:fld>
             <a:endParaRPr lang="en-US" dirty="0"/>
           </a:p>
@@ -2061,7 +2059,7 @@
           <a:p>
             <a:fld id="{D9359126-4846-4E88-BDD9-5585CC877E47}" type="datetime1">
               <a:rPr lang="en-US" smtClean="0"/>
-              <a:t>12/13/2022</a:t>
+              <a:t>12/19/2022</a:t>
             </a:fld>
             <a:endParaRPr lang="en-US" dirty="0"/>
           </a:p>
@@ -2459,7 +2457,7 @@
           <a:p>
             <a:fld id="{D9359126-4846-4E88-BDD9-5585CC877E47}" type="datetime1">
               <a:rPr lang="en-US" smtClean="0"/>
-              <a:t>12/13/2022</a:t>
+              <a:t>12/19/2022</a:t>
             </a:fld>
             <a:endParaRPr lang="en-US" dirty="0"/>
           </a:p>
@@ -2718,7 +2716,7 @@
           <a:p>
             <a:fld id="{1F96F347-1B2F-4097-AEB5-4A26FB45D67A}" type="datetime1">
               <a:rPr lang="en-US" smtClean="0"/>
-              <a:t>12/13/2022</a:t>
+              <a:t>12/19/2022</a:t>
             </a:fld>
             <a:endParaRPr lang="en-US" dirty="0"/>
           </a:p>
@@ -2980,7 +2978,7 @@
           <a:p>
             <a:fld id="{8CC1DEE0-34E5-4E0F-BEC1-4B8835F82CD1}" type="datetime1">
               <a:rPr lang="en-US" smtClean="0"/>
-              <a:t>12/13/2022</a:t>
+              <a:t>12/19/2022</a:t>
             </a:fld>
             <a:endParaRPr lang="en-US" dirty="0"/>
           </a:p>
@@ -3242,7 +3240,7 @@
           <a:p>
             <a:fld id="{3B75B4BE-627A-4EC1-99E1-6F1AA97AB802}" type="datetime1">
               <a:rPr lang="en-US" smtClean="0"/>
-              <a:t>12/13/2022</a:t>
+              <a:t>12/19/2022</a:t>
             </a:fld>
             <a:endParaRPr lang="en-US" dirty="0"/>
           </a:p>
@@ -3571,7 +3569,7 @@
           <a:p>
             <a:fld id="{78BFACF8-E63D-4673-A128-83547867BB7A}" type="datetime1">
               <a:rPr lang="en-US" smtClean="0"/>
-              <a:t>12/13/2022</a:t>
+              <a:t>12/19/2022</a:t>
             </a:fld>
             <a:endParaRPr lang="en-US" dirty="0"/>
           </a:p>
@@ -3894,7 +3892,7 @@
           <a:p>
             <a:fld id="{15BED6AC-4FBA-40BD-BE75-20DB64DA4BAD}" type="datetime1">
               <a:rPr lang="en-US" smtClean="0"/>
-              <a:t>12/13/2022</a:t>
+              <a:t>12/19/2022</a:t>
             </a:fld>
             <a:endParaRPr lang="en-US" dirty="0"/>
           </a:p>
@@ -4351,7 +4349,7 @@
           <a:p>
             <a:fld id="{3F933C87-D201-458A-93C0-8EDD9AC92D93}" type="datetime1">
               <a:rPr lang="en-US" smtClean="0"/>
-              <a:t>12/13/2022</a:t>
+              <a:t>12/19/2022</a:t>
             </a:fld>
             <a:endParaRPr lang="en-US" dirty="0"/>
           </a:p>
@@ -4556,7 +4554,7 @@
           <a:p>
             <a:fld id="{76CE6829-5A25-485A-91B1-5D6D58BB9F23}" type="datetime1">
               <a:rPr lang="en-US" smtClean="0"/>
-              <a:t>12/13/2022</a:t>
+              <a:t>12/19/2022</a:t>
             </a:fld>
             <a:endParaRPr lang="en-US" dirty="0"/>
           </a:p>
@@ -4733,7 +4731,7 @@
           <a:p>
             <a:fld id="{9912F5CD-23D0-4DD1-85B1-71F1825FB3EC}" type="datetime1">
               <a:rPr lang="en-US" smtClean="0"/>
-              <a:t>12/13/2022</a:t>
+              <a:t>12/19/2022</a:t>
             </a:fld>
             <a:endParaRPr lang="en-US" dirty="0"/>
           </a:p>
@@ -5066,7 +5064,7 @@
           <a:p>
             <a:fld id="{38BA5035-C284-496A-B076-BA73A8FA5D8B}" type="datetime1">
               <a:rPr lang="en-US" smtClean="0"/>
-              <a:t>12/13/2022</a:t>
+              <a:t>12/19/2022</a:t>
             </a:fld>
             <a:endParaRPr lang="en-US" dirty="0"/>
           </a:p>
@@ -5411,7 +5409,7 @@
           <a:p>
             <a:fld id="{B40EB420-1875-490A-8C4B-7AAB939FBE08}" type="datetime1">
               <a:rPr lang="en-US" smtClean="0"/>
-              <a:t>12/13/2022</a:t>
+              <a:t>12/19/2022</a:t>
             </a:fld>
             <a:endParaRPr lang="en-US" dirty="0"/>
           </a:p>
@@ -7528,7 +7526,7 @@
           <a:p>
             <a:fld id="{D9359126-4846-4E88-BDD9-5585CC877E47}" type="datetime1">
               <a:rPr lang="en-US" smtClean="0"/>
-              <a:t>12/13/2022</a:t>
+              <a:t>12/19/2022</a:t>
             </a:fld>
             <a:endParaRPr lang="en-US" dirty="0"/>
           </a:p>
@@ -9153,303 +9151,6 @@
       </p:transition>
     </mc:Fallback>
   </mc:AlternateContent>
-</p:sld>
-</file>
-
-<file path=ppt/slides/slide8.xml><?xml version="1.0" encoding="utf-8"?>
-<p:sld xmlns:a="http://schemas.openxmlformats.org/drawingml/2006/main" xmlns:r="http://schemas.openxmlformats.org/officeDocument/2006/relationships" xmlns:p="http://schemas.openxmlformats.org/presentationml/2006/main">
-  <p:cSld>
-    <p:spTree>
-      <p:nvGrpSpPr>
-        <p:cNvPr id="1" name=""/>
-        <p:cNvGrpSpPr/>
-        <p:nvPr/>
-      </p:nvGrpSpPr>
-      <p:grpSpPr>
-        <a:xfrm>
-          <a:off x="0" y="0"/>
-          <a:ext cx="0" cy="0"/>
-          <a:chOff x="0" y="0"/>
-          <a:chExt cx="0" cy="0"/>
-        </a:xfrm>
-      </p:grpSpPr>
-      <p:sp>
-        <p:nvSpPr>
-          <p:cNvPr id="2" name="Title 1">
-            <a:extLst>
-              <a:ext uri="{FF2B5EF4-FFF2-40B4-BE49-F238E27FC236}">
-                <a16:creationId xmlns:a16="http://schemas.microsoft.com/office/drawing/2014/main" id="{D33ED581-FCC5-B749-13EB-9F7147D432FE}"/>
-              </a:ext>
-            </a:extLst>
-          </p:cNvPr>
-          <p:cNvSpPr>
-            <a:spLocks noGrp="1"/>
-          </p:cNvSpPr>
-          <p:nvPr>
-            <p:ph type="title"/>
-          </p:nvPr>
-        </p:nvSpPr>
-        <p:spPr/>
-        <p:txBody>
-          <a:bodyPr/>
-          <a:lstStyle/>
-          <a:p>
-            <a:r>
-              <a:rPr lang="en-US" dirty="0"/>
-              <a:t>Text Formatting</a:t>
-            </a:r>
-          </a:p>
-        </p:txBody>
-      </p:sp>
-      <p:sp>
-        <p:nvSpPr>
-          <p:cNvPr id="3" name="Content Placeholder 2">
-            <a:extLst>
-              <a:ext uri="{FF2B5EF4-FFF2-40B4-BE49-F238E27FC236}">
-                <a16:creationId xmlns:a16="http://schemas.microsoft.com/office/drawing/2014/main" id="{3D3408DC-AD97-C674-59B8-A999EC820800}"/>
-              </a:ext>
-            </a:extLst>
-          </p:cNvPr>
-          <p:cNvSpPr>
-            <a:spLocks noGrp="1"/>
-          </p:cNvSpPr>
-          <p:nvPr>
-            <p:ph idx="1"/>
-          </p:nvPr>
-        </p:nvSpPr>
-        <p:spPr/>
-        <p:txBody>
-          <a:bodyPr>
-            <a:normAutofit lnSpcReduction="10000"/>
-          </a:bodyPr>
-          <a:lstStyle/>
-          <a:p>
-            <a:pPr>
-              <a:buFont typeface="Wingdings" panose="05000000000000000000" pitchFamily="2" charset="2"/>
-              <a:buChar char="Ø"/>
-            </a:pPr>
-            <a:r>
-              <a:rPr lang="en-US" sz="2800" dirty="0"/>
-              <a:t>Text-align</a:t>
-            </a:r>
-          </a:p>
-          <a:p>
-            <a:pPr>
-              <a:buFont typeface="Wingdings" panose="05000000000000000000" pitchFamily="2" charset="2"/>
-              <a:buChar char="Ø"/>
-            </a:pPr>
-            <a:r>
-              <a:rPr lang="en-US" sz="2800" dirty="0"/>
-              <a:t>Text decoration   (line  style color)</a:t>
-            </a:r>
-          </a:p>
-          <a:p>
-            <a:pPr>
-              <a:buFont typeface="Wingdings" panose="05000000000000000000" pitchFamily="2" charset="2"/>
-              <a:buChar char="Ø"/>
-            </a:pPr>
-            <a:r>
-              <a:rPr lang="en-US" sz="2800" dirty="0"/>
-              <a:t>Text-indent (only for 1</a:t>
-            </a:r>
-            <a:r>
-              <a:rPr lang="en-US" sz="2800" baseline="30000" dirty="0"/>
-              <a:t>st</a:t>
-            </a:r>
-            <a:r>
-              <a:rPr lang="en-US" sz="2800" dirty="0"/>
-              <a:t> line)</a:t>
-            </a:r>
-          </a:p>
-          <a:p>
-            <a:pPr>
-              <a:buFont typeface="Wingdings" panose="05000000000000000000" pitchFamily="2" charset="2"/>
-              <a:buChar char="Ø"/>
-            </a:pPr>
-            <a:r>
-              <a:rPr lang="en-US" sz="2800" dirty="0"/>
-              <a:t>Text-transform</a:t>
-            </a:r>
-          </a:p>
-          <a:p>
-            <a:pPr>
-              <a:buFont typeface="Wingdings" panose="05000000000000000000" pitchFamily="2" charset="2"/>
-              <a:buChar char="Ø"/>
-            </a:pPr>
-            <a:r>
-              <a:rPr lang="en-US" sz="2800" dirty="0"/>
-              <a:t>Text-shadow</a:t>
-            </a:r>
-          </a:p>
-          <a:p>
-            <a:pPr>
-              <a:buFont typeface="Wingdings" panose="05000000000000000000" pitchFamily="2" charset="2"/>
-              <a:buChar char="Ø"/>
-            </a:pPr>
-            <a:r>
-              <a:rPr lang="en-US" sz="2800" dirty="0"/>
-              <a:t>Word spacing</a:t>
-            </a:r>
-          </a:p>
-          <a:p>
-            <a:pPr>
-              <a:buFont typeface="Wingdings" panose="05000000000000000000" pitchFamily="2" charset="2"/>
-              <a:buChar char="Ø"/>
-            </a:pPr>
-            <a:r>
-              <a:rPr lang="en-US" sz="2800" dirty="0"/>
-              <a:t>Letter spacing</a:t>
-            </a:r>
-          </a:p>
-        </p:txBody>
-      </p:sp>
-    </p:spTree>
-    <p:extLst>
-      <p:ext uri="{BB962C8B-B14F-4D97-AF65-F5344CB8AC3E}">
-        <p14:creationId xmlns:p14="http://schemas.microsoft.com/office/powerpoint/2010/main" val="2618451499"/>
-      </p:ext>
-    </p:extLst>
-  </p:cSld>
-  <p:clrMapOvr>
-    <a:masterClrMapping/>
-  </p:clrMapOvr>
-  <mc:AlternateContent xmlns:mc="http://schemas.openxmlformats.org/markup-compatibility/2006" xmlns:p15="http://schemas.microsoft.com/office/powerpoint/2012/main">
-    <mc:Choice Requires="p15">
-      <p:transition xmlns:p14="http://schemas.microsoft.com/office/powerpoint/2010/main" spd="slow" p14:dur="1250">
-        <p15:prstTrans prst="airplane"/>
-      </p:transition>
-    </mc:Choice>
-    <mc:Fallback xmlns="">
-      <p:transition spd="slow">
-        <p:fade/>
-      </p:transition>
-    </mc:Fallback>
-  </mc:AlternateContent>
-</p:sld>
-</file>
-
-<file path=ppt/slides/slide9.xml><?xml version="1.0" encoding="utf-8"?>
-<p:sld xmlns:a="http://schemas.openxmlformats.org/drawingml/2006/main" xmlns:r="http://schemas.openxmlformats.org/officeDocument/2006/relationships" xmlns:p="http://schemas.openxmlformats.org/presentationml/2006/main">
-  <p:cSld>
-    <p:spTree>
-      <p:nvGrpSpPr>
-        <p:cNvPr id="1" name=""/>
-        <p:cNvGrpSpPr/>
-        <p:nvPr/>
-      </p:nvGrpSpPr>
-      <p:grpSpPr>
-        <a:xfrm>
-          <a:off x="0" y="0"/>
-          <a:ext cx="0" cy="0"/>
-          <a:chOff x="0" y="0"/>
-          <a:chExt cx="0" cy="0"/>
-        </a:xfrm>
-      </p:grpSpPr>
-      <p:sp>
-        <p:nvSpPr>
-          <p:cNvPr id="2" name="Title 1">
-            <a:extLst>
-              <a:ext uri="{FF2B5EF4-FFF2-40B4-BE49-F238E27FC236}">
-                <a16:creationId xmlns:a16="http://schemas.microsoft.com/office/drawing/2014/main" id="{1ECA9B6A-6263-1587-8910-2215B6823B8F}"/>
-              </a:ext>
-            </a:extLst>
-          </p:cNvPr>
-          <p:cNvSpPr>
-            <a:spLocks noGrp="1"/>
-          </p:cNvSpPr>
-          <p:nvPr>
-            <p:ph type="title"/>
-          </p:nvPr>
-        </p:nvSpPr>
-        <p:spPr/>
-        <p:txBody>
-          <a:bodyPr/>
-          <a:lstStyle/>
-          <a:p>
-            <a:r>
-              <a:rPr lang="en-US" dirty="0"/>
-              <a:t>Fonts</a:t>
-            </a:r>
-          </a:p>
-        </p:txBody>
-      </p:sp>
-      <p:sp>
-        <p:nvSpPr>
-          <p:cNvPr id="3" name="Content Placeholder 2">
-            <a:extLst>
-              <a:ext uri="{FF2B5EF4-FFF2-40B4-BE49-F238E27FC236}">
-                <a16:creationId xmlns:a16="http://schemas.microsoft.com/office/drawing/2014/main" id="{A026D818-56AA-D312-F2CE-8557D3DA76D7}"/>
-              </a:ext>
-            </a:extLst>
-          </p:cNvPr>
-          <p:cNvSpPr>
-            <a:spLocks noGrp="1"/>
-          </p:cNvSpPr>
-          <p:nvPr>
-            <p:ph idx="1"/>
-          </p:nvPr>
-        </p:nvSpPr>
-        <p:spPr/>
-        <p:txBody>
-          <a:bodyPr>
-            <a:normAutofit/>
-          </a:bodyPr>
-          <a:lstStyle/>
-          <a:p>
-            <a:pPr>
-              <a:buFont typeface="Wingdings" panose="05000000000000000000" pitchFamily="2" charset="2"/>
-              <a:buChar char="q"/>
-            </a:pPr>
-            <a:r>
-              <a:rPr lang="en-US" sz="2800" dirty="0"/>
-              <a:t>Font Size </a:t>
-            </a:r>
-          </a:p>
-          <a:p>
-            <a:pPr>
-              <a:buFont typeface="Wingdings" panose="05000000000000000000" pitchFamily="2" charset="2"/>
-              <a:buChar char="q"/>
-            </a:pPr>
-            <a:r>
-              <a:rPr lang="en-US" sz="2800" dirty="0"/>
-              <a:t>Font Family</a:t>
-            </a:r>
-          </a:p>
-          <a:p>
-            <a:pPr>
-              <a:buFont typeface="Wingdings" panose="05000000000000000000" pitchFamily="2" charset="2"/>
-              <a:buChar char="q"/>
-            </a:pPr>
-            <a:r>
-              <a:rPr lang="en-US" sz="2800" dirty="0"/>
-              <a:t>Font weight</a:t>
-            </a:r>
-          </a:p>
-          <a:p>
-            <a:pPr>
-              <a:buFont typeface="Wingdings" panose="05000000000000000000" pitchFamily="2" charset="2"/>
-              <a:buChar char="q"/>
-            </a:pPr>
-            <a:r>
-              <a:rPr lang="en-US" sz="2800" dirty="0"/>
-              <a:t>Font Family</a:t>
-            </a:r>
-          </a:p>
-        </p:txBody>
-      </p:sp>
-    </p:spTree>
-    <p:extLst>
-      <p:ext uri="{BB962C8B-B14F-4D97-AF65-F5344CB8AC3E}">
-        <p14:creationId xmlns:p14="http://schemas.microsoft.com/office/powerpoint/2010/main" val="3779040801"/>
-      </p:ext>
-    </p:extLst>
-  </p:cSld>
-  <p:clrMapOvr>
-    <a:masterClrMapping/>
-  </p:clrMapOvr>
-  <p:transition spd="slow">
-    <p:wheel spokes="1"/>
-  </p:transition>
 </p:sld>
 </file>
 
@@ -9932,6 +9633,23 @@
 </file>
 
 <file path=customXml/item1.xml><?xml version="1.0" encoding="utf-8"?>
+<?mso-contentType ?>
+<FormTemplates xmlns="http://schemas.microsoft.com/sharepoint/v3/contenttype/forms">
+  <Display>DocumentLibraryForm</Display>
+  <Edit>DocumentLibraryForm</Edit>
+  <New>DocumentLibraryForm</New>
+</FormTemplates>
+</file>
+
+<file path=customXml/item2.xml><?xml version="1.0" encoding="utf-8"?>
+<p:properties xmlns:p="http://schemas.microsoft.com/office/2006/metadata/properties" xmlns:xsi="http://www.w3.org/2001/XMLSchema-instance" xmlns:pc="http://schemas.microsoft.com/office/infopath/2007/PartnerControls">
+  <documentManagement>
+    <MediaServiceKeyPoints xmlns="71af3243-3dd4-4a8d-8c0d-dd76da1f02a5" xsi:nil="true"/>
+  </documentManagement>
+</p:properties>
+</file>
+
+<file path=customXml/item3.xml><?xml version="1.0" encoding="utf-8"?>
 <ct:contentTypeSchema xmlns:ct="http://schemas.microsoft.com/office/2006/metadata/contentType" xmlns:ma="http://schemas.microsoft.com/office/2006/metadata/properties/metaAttributes" ct:_="" ma:_="" ma:contentTypeName="Document" ma:contentTypeID="0x01010079F111ED35F8CC479449609E8A0923A6" ma:contentTypeVersion="11" ma:contentTypeDescription="Create a new document." ma:contentTypeScope="" ma:versionID="9677210f24a1be23c92c90fd886aa0aa">
   <xsd:schema xmlns:xsd="http://www.w3.org/2001/XMLSchema" xmlns:xs="http://www.w3.org/2001/XMLSchema" xmlns:p="http://schemas.microsoft.com/office/2006/metadata/properties" xmlns:ns2="71af3243-3dd4-4a8d-8c0d-dd76da1f02a5" xmlns:ns3="16c05727-aa75-4e4a-9b5f-8a80a1165891" targetNamespace="http://schemas.microsoft.com/office/2006/metadata/properties" ma:root="true" ma:fieldsID="60e05723c5c1908df1a1a4ebf11d344e" ns2:_="" ns3:_="">
     <xsd:import namespace="71af3243-3dd4-4a8d-8c0d-dd76da1f02a5"/>
@@ -10142,24 +9860,25 @@
 </ct:contentTypeSchema>
 </file>
 
-<file path=customXml/item2.xml><?xml version="1.0" encoding="utf-8"?>
-<p:properties xmlns:p="http://schemas.microsoft.com/office/2006/metadata/properties" xmlns:xsi="http://www.w3.org/2001/XMLSchema-instance" xmlns:pc="http://schemas.microsoft.com/office/infopath/2007/PartnerControls">
-  <documentManagement>
-    <MediaServiceKeyPoints xmlns="71af3243-3dd4-4a8d-8c0d-dd76da1f02a5" xsi:nil="true"/>
-  </documentManagement>
-</p:properties>
+<file path=customXml/itemProps1.xml><?xml version="1.0" encoding="utf-8"?>
+<ds:datastoreItem xmlns:ds="http://schemas.openxmlformats.org/officeDocument/2006/customXml" ds:itemID="{10BEB954-4024-4CCF-A9D6-4C00FDC028D9}">
+  <ds:schemaRefs>
+    <ds:schemaRef ds:uri="http://schemas.microsoft.com/sharepoint/v3/contenttype/forms"/>
+  </ds:schemaRefs>
+</ds:datastoreItem>
 </file>
 
-<file path=customXml/item3.xml><?xml version="1.0" encoding="utf-8"?>
-<?mso-contentType ?>
-<FormTemplates xmlns="http://schemas.microsoft.com/sharepoint/v3/contenttype/forms">
-  <Display>DocumentLibraryForm</Display>
-  <Edit>DocumentLibraryForm</Edit>
-  <New>DocumentLibraryForm</New>
-</FormTemplates>
+<file path=customXml/itemProps2.xml><?xml version="1.0" encoding="utf-8"?>
+<ds:datastoreItem xmlns:ds="http://schemas.openxmlformats.org/officeDocument/2006/customXml" ds:itemID="{4710EE66-8707-456F-8F2E-091D581CB030}">
+  <ds:schemaRefs>
+    <ds:schemaRef ds:uri="http://schemas.microsoft.com/office/2006/metadata/properties"/>
+    <ds:schemaRef ds:uri="http://schemas.microsoft.com/office/infopath/2007/PartnerControls"/>
+    <ds:schemaRef ds:uri="71af3243-3dd4-4a8d-8c0d-dd76da1f02a5"/>
+  </ds:schemaRefs>
+</ds:datastoreItem>
 </file>
 
-<file path=customXml/itemProps1.xml><?xml version="1.0" encoding="utf-8"?>
+<file path=customXml/itemProps3.xml><?xml version="1.0" encoding="utf-8"?>
 <ds:datastoreItem xmlns:ds="http://schemas.openxmlformats.org/officeDocument/2006/customXml" ds:itemID="{AB96CC85-5758-41C0-8EFD-737AFB69121D}">
   <ds:schemaRefs>
     <ds:schemaRef ds:uri="http://schemas.microsoft.com/office/2006/metadata/contentType"/>
@@ -10176,22 +9895,4 @@
     <ds:schemaRef ds:uri="http://schemas.microsoft.com/internal/obd"/>
   </ds:schemaRefs>
 </ds:datastoreItem>
-</file>
-
-<file path=customXml/itemProps2.xml><?xml version="1.0" encoding="utf-8"?>
-<ds:datastoreItem xmlns:ds="http://schemas.openxmlformats.org/officeDocument/2006/customXml" ds:itemID="{4710EE66-8707-456F-8F2E-091D581CB030}">
-  <ds:schemaRefs>
-    <ds:schemaRef ds:uri="http://schemas.microsoft.com/office/2006/metadata/properties"/>
-    <ds:schemaRef ds:uri="http://schemas.microsoft.com/office/infopath/2007/PartnerControls"/>
-    <ds:schemaRef ds:uri="71af3243-3dd4-4a8d-8c0d-dd76da1f02a5"/>
-  </ds:schemaRefs>
-</ds:datastoreItem>
-</file>
-
-<file path=customXml/itemProps3.xml><?xml version="1.0" encoding="utf-8"?>
-<ds:datastoreItem xmlns:ds="http://schemas.openxmlformats.org/officeDocument/2006/customXml" ds:itemID="{10BEB954-4024-4CCF-A9D6-4C00FDC028D9}">
-  <ds:schemaRefs>
-    <ds:schemaRef ds:uri="http://schemas.microsoft.com/sharepoint/v3/contenttype/forms"/>
-  </ds:schemaRefs>
-</ds:datastoreItem>
 </file>
--- a/Presentations/CSS Class 04.pptx
+++ b/Presentations/CSS Class 04.pptx
@@ -203,7 +203,7 @@
           <a:p>
             <a:fld id="{EDE0A0D5-8F98-4CC1-A28E-021F0B6B475C}" type="datetimeFigureOut">
               <a:rPr lang="en-US" smtClean="0"/>
-              <a:t>12/19/2022</a:t>
+              <a:t>1/29/2023</a:t>
             </a:fld>
             <a:endParaRPr lang="en-US" dirty="0"/>
           </a:p>
@@ -658,7 +658,7 @@
           <a:p>
             <a:fld id="{3A750590-9F9A-443B-9295-A3931D8194B1}" type="datetime1">
               <a:rPr lang="en-US" smtClean="0"/>
-              <a:t>12/19/2022</a:t>
+              <a:t>1/29/2023</a:t>
             </a:fld>
             <a:endParaRPr lang="en-US" dirty="0"/>
           </a:p>
@@ -996,7 +996,7 @@
           <a:p>
             <a:fld id="{D9359126-4846-4E88-BDD9-5585CC877E47}" type="datetime1">
               <a:rPr lang="en-US" smtClean="0"/>
-              <a:t>12/19/2022</a:t>
+              <a:t>1/29/2023</a:t>
             </a:fld>
             <a:endParaRPr lang="en-US" dirty="0"/>
           </a:p>
@@ -1399,7 +1399,7 @@
           <a:p>
             <a:fld id="{D9359126-4846-4E88-BDD9-5585CC877E47}" type="datetime1">
               <a:rPr lang="en-US" smtClean="0"/>
-              <a:t>12/19/2022</a:t>
+              <a:t>1/29/2023</a:t>
             </a:fld>
             <a:endParaRPr lang="en-US" dirty="0"/>
           </a:p>
@@ -1737,7 +1737,7 @@
           <a:p>
             <a:fld id="{D9359126-4846-4E88-BDD9-5585CC877E47}" type="datetime1">
               <a:rPr lang="en-US" smtClean="0"/>
-              <a:t>12/19/2022</a:t>
+              <a:t>1/29/2023</a:t>
             </a:fld>
             <a:endParaRPr lang="en-US" dirty="0"/>
           </a:p>
@@ -2059,7 +2059,7 @@
           <a:p>
             <a:fld id="{D9359126-4846-4E88-BDD9-5585CC877E47}" type="datetime1">
               <a:rPr lang="en-US" smtClean="0"/>
-              <a:t>12/19/2022</a:t>
+              <a:t>1/29/2023</a:t>
             </a:fld>
             <a:endParaRPr lang="en-US" dirty="0"/>
           </a:p>
@@ -2457,7 +2457,7 @@
           <a:p>
             <a:fld id="{D9359126-4846-4E88-BDD9-5585CC877E47}" type="datetime1">
               <a:rPr lang="en-US" smtClean="0"/>
-              <a:t>12/19/2022</a:t>
+              <a:t>1/29/2023</a:t>
             </a:fld>
             <a:endParaRPr lang="en-US" dirty="0"/>
           </a:p>
@@ -2716,7 +2716,7 @@
           <a:p>
             <a:fld id="{1F96F347-1B2F-4097-AEB5-4A26FB45D67A}" type="datetime1">
               <a:rPr lang="en-US" smtClean="0"/>
-              <a:t>12/19/2022</a:t>
+              <a:t>1/29/2023</a:t>
             </a:fld>
             <a:endParaRPr lang="en-US" dirty="0"/>
           </a:p>
@@ -2978,7 +2978,7 @@
           <a:p>
             <a:fld id="{8CC1DEE0-34E5-4E0F-BEC1-4B8835F82CD1}" type="datetime1">
               <a:rPr lang="en-US" smtClean="0"/>
-              <a:t>12/19/2022</a:t>
+              <a:t>1/29/2023</a:t>
             </a:fld>
             <a:endParaRPr lang="en-US" dirty="0"/>
           </a:p>
@@ -3240,7 +3240,7 @@
           <a:p>
             <a:fld id="{3B75B4BE-627A-4EC1-99E1-6F1AA97AB802}" type="datetime1">
               <a:rPr lang="en-US" smtClean="0"/>
-              <a:t>12/19/2022</a:t>
+              <a:t>1/29/2023</a:t>
             </a:fld>
             <a:endParaRPr lang="en-US" dirty="0"/>
           </a:p>
@@ -3569,7 +3569,7 @@
           <a:p>
             <a:fld id="{78BFACF8-E63D-4673-A128-83547867BB7A}" type="datetime1">
               <a:rPr lang="en-US" smtClean="0"/>
-              <a:t>12/19/2022</a:t>
+              <a:t>1/29/2023</a:t>
             </a:fld>
             <a:endParaRPr lang="en-US" dirty="0"/>
           </a:p>
@@ -3892,7 +3892,7 @@
           <a:p>
             <a:fld id="{15BED6AC-4FBA-40BD-BE75-20DB64DA4BAD}" type="datetime1">
               <a:rPr lang="en-US" smtClean="0"/>
-              <a:t>12/19/2022</a:t>
+              <a:t>1/29/2023</a:t>
             </a:fld>
             <a:endParaRPr lang="en-US" dirty="0"/>
           </a:p>
@@ -4349,7 +4349,7 @@
           <a:p>
             <a:fld id="{3F933C87-D201-458A-93C0-8EDD9AC92D93}" type="datetime1">
               <a:rPr lang="en-US" smtClean="0"/>
-              <a:t>12/19/2022</a:t>
+              <a:t>1/29/2023</a:t>
             </a:fld>
             <a:endParaRPr lang="en-US" dirty="0"/>
           </a:p>
@@ -4554,7 +4554,7 @@
           <a:p>
             <a:fld id="{76CE6829-5A25-485A-91B1-5D6D58BB9F23}" type="datetime1">
               <a:rPr lang="en-US" smtClean="0"/>
-              <a:t>12/19/2022</a:t>
+              <a:t>1/29/2023</a:t>
             </a:fld>
             <a:endParaRPr lang="en-US" dirty="0"/>
           </a:p>
@@ -4731,7 +4731,7 @@
           <a:p>
             <a:fld id="{9912F5CD-23D0-4DD1-85B1-71F1825FB3EC}" type="datetime1">
               <a:rPr lang="en-US" smtClean="0"/>
-              <a:t>12/19/2022</a:t>
+              <a:t>1/29/2023</a:t>
             </a:fld>
             <a:endParaRPr lang="en-US" dirty="0"/>
           </a:p>
@@ -5064,7 +5064,7 @@
           <a:p>
             <a:fld id="{38BA5035-C284-496A-B076-BA73A8FA5D8B}" type="datetime1">
               <a:rPr lang="en-US" smtClean="0"/>
-              <a:t>12/19/2022</a:t>
+              <a:t>1/29/2023</a:t>
             </a:fld>
             <a:endParaRPr lang="en-US" dirty="0"/>
           </a:p>
@@ -5409,7 +5409,7 @@
           <a:p>
             <a:fld id="{B40EB420-1875-490A-8C4B-7AAB939FBE08}" type="datetime1">
               <a:rPr lang="en-US" smtClean="0"/>
-              <a:t>12/19/2022</a:t>
+              <a:t>1/29/2023</a:t>
             </a:fld>
             <a:endParaRPr lang="en-US" dirty="0"/>
           </a:p>
@@ -7526,7 +7526,7 @@
           <a:p>
             <a:fld id="{D9359126-4846-4E88-BDD9-5585CC877E47}" type="datetime1">
               <a:rPr lang="en-US" smtClean="0"/>
-              <a:t>12/19/2022</a:t>
+              <a:t>1/29/2023</a:t>
             </a:fld>
             <a:endParaRPr lang="en-US" dirty="0"/>
           </a:p>
@@ -8159,6 +8159,283 @@
                 <a:cs typeface="Times New Roman" panose="02020603050405020304" pitchFamily="18" charset="0"/>
               </a:rPr>
               <a:t>Saylani Mass IT Training Faisalabad</a:t>
+            </a:r>
+          </a:p>
+        </p:txBody>
+      </p:sp>
+      <p:sp>
+        <p:nvSpPr>
+          <p:cNvPr id="5" name="Subtitle 3"/>
+          <p:cNvSpPr txBox="1">
+            <a:spLocks/>
+          </p:cNvSpPr>
+          <p:nvPr/>
+        </p:nvSpPr>
+        <p:spPr>
+          <a:xfrm>
+            <a:off x="7785735" y="5707719"/>
+            <a:ext cx="4668626" cy="1126283"/>
+          </a:xfrm>
+          <a:prstGeom prst="rect">
+            <a:avLst/>
+          </a:prstGeom>
+        </p:spPr>
+        <p:txBody>
+          <a:bodyPr vert="horz" lIns="91440" tIns="45720" rIns="91440" bIns="45720" rtlCol="0" anchor="t">
+            <a:normAutofit/>
+          </a:bodyPr>
+          <a:lstStyle>
+            <a:lvl1pPr marL="0" indent="0" algn="l" defTabSz="457200" rtl="0" eaLnBrk="1" latinLnBrk="0" hangingPunct="1">
+              <a:spcBef>
+                <a:spcPts val="1000"/>
+              </a:spcBef>
+              <a:spcAft>
+                <a:spcPts val="0"/>
+              </a:spcAft>
+              <a:buClr>
+                <a:schemeClr val="accent1"/>
+              </a:buClr>
+              <a:buFont typeface="Wingdings 3" charset="2"/>
+              <a:buNone/>
+              <a:defRPr sz="1800" kern="1200">
+                <a:solidFill>
+                  <a:schemeClr val="tx1">
+                    <a:lumMod val="65000"/>
+                    <a:lumOff val="35000"/>
+                  </a:schemeClr>
+                </a:solidFill>
+                <a:latin typeface="+mn-lt"/>
+                <a:ea typeface="+mn-ea"/>
+                <a:cs typeface="+mn-cs"/>
+              </a:defRPr>
+            </a:lvl1pPr>
+            <a:lvl2pPr marL="457200" indent="0" algn="ctr" defTabSz="457200" rtl="0" eaLnBrk="1" latinLnBrk="0" hangingPunct="1">
+              <a:spcBef>
+                <a:spcPts val="1000"/>
+              </a:spcBef>
+              <a:spcAft>
+                <a:spcPts val="0"/>
+              </a:spcAft>
+              <a:buClr>
+                <a:schemeClr val="accent1"/>
+              </a:buClr>
+              <a:buFont typeface="Wingdings 3" charset="2"/>
+              <a:buNone/>
+              <a:defRPr sz="1600" kern="1200">
+                <a:solidFill>
+                  <a:schemeClr val="tx1">
+                    <a:tint val="75000"/>
+                  </a:schemeClr>
+                </a:solidFill>
+                <a:latin typeface="+mn-lt"/>
+                <a:ea typeface="+mn-ea"/>
+                <a:cs typeface="+mn-cs"/>
+              </a:defRPr>
+            </a:lvl2pPr>
+            <a:lvl3pPr marL="914400" indent="0" algn="ctr" defTabSz="457200" rtl="0" eaLnBrk="1" latinLnBrk="0" hangingPunct="1">
+              <a:spcBef>
+                <a:spcPts val="1000"/>
+              </a:spcBef>
+              <a:spcAft>
+                <a:spcPts val="0"/>
+              </a:spcAft>
+              <a:buClr>
+                <a:schemeClr val="accent1"/>
+              </a:buClr>
+              <a:buFont typeface="Wingdings 3" charset="2"/>
+              <a:buNone/>
+              <a:defRPr sz="1400" kern="1200">
+                <a:solidFill>
+                  <a:schemeClr val="tx1">
+                    <a:tint val="75000"/>
+                  </a:schemeClr>
+                </a:solidFill>
+                <a:latin typeface="+mn-lt"/>
+                <a:ea typeface="+mn-ea"/>
+                <a:cs typeface="+mn-cs"/>
+              </a:defRPr>
+            </a:lvl3pPr>
+            <a:lvl4pPr marL="1371600" indent="0" algn="ctr" defTabSz="457200" rtl="0" eaLnBrk="1" latinLnBrk="0" hangingPunct="1">
+              <a:spcBef>
+                <a:spcPts val="1000"/>
+              </a:spcBef>
+              <a:spcAft>
+                <a:spcPts val="0"/>
+              </a:spcAft>
+              <a:buClr>
+                <a:schemeClr val="accent1"/>
+              </a:buClr>
+              <a:buFont typeface="Wingdings 3" charset="2"/>
+              <a:buNone/>
+              <a:defRPr sz="1200" kern="1200">
+                <a:solidFill>
+                  <a:schemeClr val="tx1">
+                    <a:tint val="75000"/>
+                  </a:schemeClr>
+                </a:solidFill>
+                <a:latin typeface="+mn-lt"/>
+                <a:ea typeface="+mn-ea"/>
+                <a:cs typeface="+mn-cs"/>
+              </a:defRPr>
+            </a:lvl4pPr>
+            <a:lvl5pPr marL="1828800" indent="0" algn="ctr" defTabSz="457200" rtl="0" eaLnBrk="1" latinLnBrk="0" hangingPunct="1">
+              <a:spcBef>
+                <a:spcPts val="1000"/>
+              </a:spcBef>
+              <a:spcAft>
+                <a:spcPts val="0"/>
+              </a:spcAft>
+              <a:buClr>
+                <a:schemeClr val="accent1"/>
+              </a:buClr>
+              <a:buFont typeface="Wingdings 3" charset="2"/>
+              <a:buNone/>
+              <a:defRPr sz="1200" kern="1200">
+                <a:solidFill>
+                  <a:schemeClr val="tx1">
+                    <a:tint val="75000"/>
+                  </a:schemeClr>
+                </a:solidFill>
+                <a:latin typeface="+mn-lt"/>
+                <a:ea typeface="+mn-ea"/>
+                <a:cs typeface="+mn-cs"/>
+              </a:defRPr>
+            </a:lvl5pPr>
+            <a:lvl6pPr marL="2286000" indent="0" algn="ctr" defTabSz="457200" rtl="0" eaLnBrk="1" latinLnBrk="0" hangingPunct="1">
+              <a:spcBef>
+                <a:spcPts val="1000"/>
+              </a:spcBef>
+              <a:spcAft>
+                <a:spcPts val="0"/>
+              </a:spcAft>
+              <a:buClr>
+                <a:schemeClr val="accent1"/>
+              </a:buClr>
+              <a:buFont typeface="Wingdings 3" charset="2"/>
+              <a:buNone/>
+              <a:defRPr sz="1200" kern="1200">
+                <a:solidFill>
+                  <a:schemeClr val="tx1">
+                    <a:tint val="75000"/>
+                  </a:schemeClr>
+                </a:solidFill>
+                <a:latin typeface="+mn-lt"/>
+                <a:ea typeface="+mn-ea"/>
+                <a:cs typeface="+mn-cs"/>
+              </a:defRPr>
+            </a:lvl6pPr>
+            <a:lvl7pPr marL="2743200" indent="0" algn="ctr" defTabSz="457200" rtl="0" eaLnBrk="1" latinLnBrk="0" hangingPunct="1">
+              <a:spcBef>
+                <a:spcPts val="1000"/>
+              </a:spcBef>
+              <a:spcAft>
+                <a:spcPts val="0"/>
+              </a:spcAft>
+              <a:buClr>
+                <a:schemeClr val="accent1"/>
+              </a:buClr>
+              <a:buFont typeface="Wingdings 3" charset="2"/>
+              <a:buNone/>
+              <a:defRPr sz="1200" kern="1200">
+                <a:solidFill>
+                  <a:schemeClr val="tx1">
+                    <a:tint val="75000"/>
+                  </a:schemeClr>
+                </a:solidFill>
+                <a:latin typeface="+mn-lt"/>
+                <a:ea typeface="+mn-ea"/>
+                <a:cs typeface="+mn-cs"/>
+              </a:defRPr>
+            </a:lvl7pPr>
+            <a:lvl8pPr marL="3200400" indent="0" algn="ctr" defTabSz="457200" rtl="0" eaLnBrk="1" latinLnBrk="0" hangingPunct="1">
+              <a:spcBef>
+                <a:spcPts val="1000"/>
+              </a:spcBef>
+              <a:spcAft>
+                <a:spcPts val="0"/>
+              </a:spcAft>
+              <a:buClr>
+                <a:schemeClr val="accent1"/>
+              </a:buClr>
+              <a:buFont typeface="Wingdings 3" charset="2"/>
+              <a:buNone/>
+              <a:defRPr sz="1200" kern="1200">
+                <a:solidFill>
+                  <a:schemeClr val="tx1">
+                    <a:tint val="75000"/>
+                  </a:schemeClr>
+                </a:solidFill>
+                <a:latin typeface="+mn-lt"/>
+                <a:ea typeface="+mn-ea"/>
+                <a:cs typeface="+mn-cs"/>
+              </a:defRPr>
+            </a:lvl8pPr>
+            <a:lvl9pPr marL="3657600" indent="0" algn="ctr" defTabSz="457200" rtl="0" eaLnBrk="1" latinLnBrk="0" hangingPunct="1">
+              <a:spcBef>
+                <a:spcPts val="1000"/>
+              </a:spcBef>
+              <a:spcAft>
+                <a:spcPts val="0"/>
+              </a:spcAft>
+              <a:buClr>
+                <a:schemeClr val="accent1"/>
+              </a:buClr>
+              <a:buFont typeface="Wingdings 3" charset="2"/>
+              <a:buNone/>
+              <a:defRPr sz="1200" kern="1200">
+                <a:solidFill>
+                  <a:schemeClr val="tx1">
+                    <a:tint val="75000"/>
+                  </a:schemeClr>
+                </a:solidFill>
+                <a:latin typeface="+mn-lt"/>
+                <a:ea typeface="+mn-ea"/>
+                <a:cs typeface="+mn-cs"/>
+              </a:defRPr>
+            </a:lvl9pPr>
+          </a:lstStyle>
+          <a:p>
+            <a:r>
+              <a:rPr lang="en-US" sz="2800" b="1" dirty="0" smtClean="0">
+                <a:solidFill>
+                  <a:schemeClr val="tx1"/>
+                </a:solidFill>
+                <a:latin typeface="Times New Roman" panose="02020603050405020304" pitchFamily="18" charset="0"/>
+                <a:cs typeface="Times New Roman" panose="02020603050405020304" pitchFamily="18" charset="0"/>
+              </a:rPr>
+              <a:t>Instructor : </a:t>
+            </a:r>
+            <a:r>
+              <a:rPr lang="en-US" sz="2800" dirty="0" smtClean="0">
+                <a:solidFill>
+                  <a:schemeClr val="tx1"/>
+                </a:solidFill>
+                <a:latin typeface="Times New Roman" panose="02020603050405020304" pitchFamily="18" charset="0"/>
+                <a:cs typeface="Times New Roman" panose="02020603050405020304" pitchFamily="18" charset="0"/>
+              </a:rPr>
+              <a:t>Umair Azmat</a:t>
+            </a:r>
+          </a:p>
+          <a:p>
+            <a:r>
+              <a:rPr lang="en-US" sz="2800" b="1" dirty="0" smtClean="0">
+                <a:solidFill>
+                  <a:schemeClr val="tx1"/>
+                </a:solidFill>
+                <a:latin typeface="Times New Roman" panose="02020603050405020304" pitchFamily="18" charset="0"/>
+                <a:cs typeface="Times New Roman" panose="02020603050405020304" pitchFamily="18" charset="0"/>
+              </a:rPr>
+              <a:t>WhatsApp : </a:t>
+            </a:r>
+            <a:r>
+              <a:rPr lang="en-US" sz="2800" dirty="0" smtClean="0">
+                <a:solidFill>
+                  <a:schemeClr val="tx1"/>
+                </a:solidFill>
+                <a:latin typeface="Times New Roman" panose="02020603050405020304" pitchFamily="18" charset="0"/>
+                <a:cs typeface="Times New Roman" panose="02020603050405020304" pitchFamily="18" charset="0"/>
+              </a:rPr>
+              <a:t>+923217061116</a:t>
             </a:r>
           </a:p>
         </p:txBody>
@@ -9633,23 +9910,6 @@
 </file>
 
 <file path=customXml/item1.xml><?xml version="1.0" encoding="utf-8"?>
-<?mso-contentType ?>
-<FormTemplates xmlns="http://schemas.microsoft.com/sharepoint/v3/contenttype/forms">
-  <Display>DocumentLibraryForm</Display>
-  <Edit>DocumentLibraryForm</Edit>
-  <New>DocumentLibraryForm</New>
-</FormTemplates>
-</file>
-
-<file path=customXml/item2.xml><?xml version="1.0" encoding="utf-8"?>
-<p:properties xmlns:p="http://schemas.microsoft.com/office/2006/metadata/properties" xmlns:xsi="http://www.w3.org/2001/XMLSchema-instance" xmlns:pc="http://schemas.microsoft.com/office/infopath/2007/PartnerControls">
-  <documentManagement>
-    <MediaServiceKeyPoints xmlns="71af3243-3dd4-4a8d-8c0d-dd76da1f02a5" xsi:nil="true"/>
-  </documentManagement>
-</p:properties>
-</file>
-
-<file path=customXml/item3.xml><?xml version="1.0" encoding="utf-8"?>
 <ct:contentTypeSchema xmlns:ct="http://schemas.microsoft.com/office/2006/metadata/contentType" xmlns:ma="http://schemas.microsoft.com/office/2006/metadata/properties/metaAttributes" ct:_="" ma:_="" ma:contentTypeName="Document" ma:contentTypeID="0x01010079F111ED35F8CC479449609E8A0923A6" ma:contentTypeVersion="11" ma:contentTypeDescription="Create a new document." ma:contentTypeScope="" ma:versionID="9677210f24a1be23c92c90fd886aa0aa">
   <xsd:schema xmlns:xsd="http://www.w3.org/2001/XMLSchema" xmlns:xs="http://www.w3.org/2001/XMLSchema" xmlns:p="http://schemas.microsoft.com/office/2006/metadata/properties" xmlns:ns2="71af3243-3dd4-4a8d-8c0d-dd76da1f02a5" xmlns:ns3="16c05727-aa75-4e4a-9b5f-8a80a1165891" targetNamespace="http://schemas.microsoft.com/office/2006/metadata/properties" ma:root="true" ma:fieldsID="60e05723c5c1908df1a1a4ebf11d344e" ns2:_="" ns3:_="">
     <xsd:import namespace="71af3243-3dd4-4a8d-8c0d-dd76da1f02a5"/>
@@ -9860,25 +10120,24 @@
 </ct:contentTypeSchema>
 </file>
 
-<file path=customXml/itemProps1.xml><?xml version="1.0" encoding="utf-8"?>
-<ds:datastoreItem xmlns:ds="http://schemas.openxmlformats.org/officeDocument/2006/customXml" ds:itemID="{10BEB954-4024-4CCF-A9D6-4C00FDC028D9}">
-  <ds:schemaRefs>
-    <ds:schemaRef ds:uri="http://schemas.microsoft.com/sharepoint/v3/contenttype/forms"/>
-  </ds:schemaRefs>
-</ds:datastoreItem>
+<file path=customXml/item2.xml><?xml version="1.0" encoding="utf-8"?>
+<p:properties xmlns:p="http://schemas.microsoft.com/office/2006/metadata/properties" xmlns:xsi="http://www.w3.org/2001/XMLSchema-instance" xmlns:pc="http://schemas.microsoft.com/office/infopath/2007/PartnerControls">
+  <documentManagement>
+    <MediaServiceKeyPoints xmlns="71af3243-3dd4-4a8d-8c0d-dd76da1f02a5" xsi:nil="true"/>
+  </documentManagement>
+</p:properties>
 </file>
 
-<file path=customXml/itemProps2.xml><?xml version="1.0" encoding="utf-8"?>
-<ds:datastoreItem xmlns:ds="http://schemas.openxmlformats.org/officeDocument/2006/customXml" ds:itemID="{4710EE66-8707-456F-8F2E-091D581CB030}">
-  <ds:schemaRefs>
-    <ds:schemaRef ds:uri="http://schemas.microsoft.com/office/2006/metadata/properties"/>
-    <ds:schemaRef ds:uri="http://schemas.microsoft.com/office/infopath/2007/PartnerControls"/>
-    <ds:schemaRef ds:uri="71af3243-3dd4-4a8d-8c0d-dd76da1f02a5"/>
-  </ds:schemaRefs>
-</ds:datastoreItem>
+<file path=customXml/item3.xml><?xml version="1.0" encoding="utf-8"?>
+<?mso-contentType ?>
+<FormTemplates xmlns="http://schemas.microsoft.com/sharepoint/v3/contenttype/forms">
+  <Display>DocumentLibraryForm</Display>
+  <Edit>DocumentLibraryForm</Edit>
+  <New>DocumentLibraryForm</New>
+</FormTemplates>
 </file>
 
-<file path=customXml/itemProps3.xml><?xml version="1.0" encoding="utf-8"?>
+<file path=customXml/itemProps1.xml><?xml version="1.0" encoding="utf-8"?>
 <ds:datastoreItem xmlns:ds="http://schemas.openxmlformats.org/officeDocument/2006/customXml" ds:itemID="{AB96CC85-5758-41C0-8EFD-737AFB69121D}">
   <ds:schemaRefs>
     <ds:schemaRef ds:uri="http://schemas.microsoft.com/office/2006/metadata/contentType"/>
@@ -9895,4 +10154,22 @@
     <ds:schemaRef ds:uri="http://schemas.microsoft.com/internal/obd"/>
   </ds:schemaRefs>
 </ds:datastoreItem>
+</file>
+
+<file path=customXml/itemProps2.xml><?xml version="1.0" encoding="utf-8"?>
+<ds:datastoreItem xmlns:ds="http://schemas.openxmlformats.org/officeDocument/2006/customXml" ds:itemID="{4710EE66-8707-456F-8F2E-091D581CB030}">
+  <ds:schemaRefs>
+    <ds:schemaRef ds:uri="http://schemas.microsoft.com/office/2006/metadata/properties"/>
+    <ds:schemaRef ds:uri="http://schemas.microsoft.com/office/infopath/2007/PartnerControls"/>
+    <ds:schemaRef ds:uri="71af3243-3dd4-4a8d-8c0d-dd76da1f02a5"/>
+  </ds:schemaRefs>
+</ds:datastoreItem>
+</file>
+
+<file path=customXml/itemProps3.xml><?xml version="1.0" encoding="utf-8"?>
+<ds:datastoreItem xmlns:ds="http://schemas.openxmlformats.org/officeDocument/2006/customXml" ds:itemID="{10BEB954-4024-4CCF-A9D6-4C00FDC028D9}">
+  <ds:schemaRefs>
+    <ds:schemaRef ds:uri="http://schemas.microsoft.com/sharepoint/v3/contenttype/forms"/>
+  </ds:schemaRefs>
+</ds:datastoreItem>
 </file>